--- a/Data/Milestone_2_1_feedback_230215.pptx
+++ b/Data/Milestone_2_1_feedback_230215.pptx
@@ -127,6 +127,12 @@
     </p:ext>
   </p:extLst>
 </p:presentation>
+</file>
+
+<file path=ppt/authors.xml><?xml version="1.0" encoding="utf-8"?>
+<p188:authorLst xmlns:a="http://schemas.openxmlformats.org/drawingml/2006/main" xmlns:r="http://schemas.openxmlformats.org/officeDocument/2006/relationships" xmlns:p188="http://schemas.microsoft.com/office/powerpoint/2018/8/main">
+  <p188:author id="{14ED1F87-0C8A-7B4E-FFAE-A1E0A58776CB}" name="Muhammad Asad Bilal Arif" initials="MABA" userId="550c17b5f4b9ec65" providerId="Windows Live"/>
+</p188:authorLst>
 </file>
 
 <file path=ppt/revisionInfo.xml><?xml version="1.0" encoding="utf-8"?>
@@ -725,6 +731,27 @@
 </pc:chgInfo>
 </file>
 
+<file path=ppt/comments/modernComment_119_C53792BB.xml><?xml version="1.0" encoding="utf-8"?>
+<p188:cmLst xmlns:a="http://schemas.openxmlformats.org/drawingml/2006/main" xmlns:r="http://schemas.openxmlformats.org/officeDocument/2006/relationships" xmlns:p188="http://schemas.microsoft.com/office/powerpoint/2018/8/main">
+  <p188:cm id="{E69A934A-0ADC-4249-A9AB-B3F1DDD648AF}" authorId="{14ED1F87-0C8A-7B4E-FFAE-A1E0A58776CB}" created="2023-02-22T10:26:28.928">
+    <pc:sldMkLst xmlns:pc="http://schemas.microsoft.com/office/powerpoint/2013/main/command">
+      <pc:docMk/>
+      <pc:sldMk cId="3308753595" sldId="281"/>
+    </pc:sldMkLst>
+    <p188:txBody>
+      <a:bodyPr/>
+      <a:lstStyle/>
+      <a:p>
+        <a:r>
+          <a:rPr lang="en-PK"/>
+          <a:t>Done</a:t>
+        </a:r>
+      </a:p>
+    </p188:txBody>
+  </p188:cm>
+</p188:cmLst>
+</file>
+
 <file path=ppt/slideLayouts/slideLayout1.xml><?xml version="1.0" encoding="utf-8"?>
 <p:sldLayout xmlns:a="http://schemas.openxmlformats.org/drawingml/2006/main" xmlns:r="http://schemas.openxmlformats.org/officeDocument/2006/relationships" xmlns:p="http://schemas.openxmlformats.org/presentationml/2006/main" type="title" preserve="1">
   <p:cSld name="Titelfolie">
@@ -872,7 +899,7 @@
           <a:p>
             <a:fld id="{CD7BBF5C-6DA2-4FDE-AE3D-507ED6B62B72}" type="datetimeFigureOut">
               <a:rPr lang="de-DE" smtClean="0"/>
-              <a:t>15.02.2023</a:t>
+              <a:t>22.02.2023</a:t>
             </a:fld>
             <a:endParaRPr lang="de-DE"/>
           </a:p>
@@ -926,7 +953,7 @@
           <a:p>
             <a:fld id="{CC8D0934-A3EC-4F1A-8301-A7A9761D017D}" type="slidenum">
               <a:rPr lang="de-DE" smtClean="0"/>
-              <a:t>‹Nr.›</a:t>
+              <a:t>‹#›</a:t>
             </a:fld>
             <a:endParaRPr lang="de-DE"/>
           </a:p>
@@ -1070,7 +1097,7 @@
           <a:p>
             <a:fld id="{CD7BBF5C-6DA2-4FDE-AE3D-507ED6B62B72}" type="datetimeFigureOut">
               <a:rPr lang="de-DE" smtClean="0"/>
-              <a:t>15.02.2023</a:t>
+              <a:t>22.02.2023</a:t>
             </a:fld>
             <a:endParaRPr lang="de-DE"/>
           </a:p>
@@ -1124,7 +1151,7 @@
           <a:p>
             <a:fld id="{CC8D0934-A3EC-4F1A-8301-A7A9761D017D}" type="slidenum">
               <a:rPr lang="de-DE" smtClean="0"/>
-              <a:t>‹Nr.›</a:t>
+              <a:t>‹#›</a:t>
             </a:fld>
             <a:endParaRPr lang="de-DE"/>
           </a:p>
@@ -1278,7 +1305,7 @@
           <a:p>
             <a:fld id="{CD7BBF5C-6DA2-4FDE-AE3D-507ED6B62B72}" type="datetimeFigureOut">
               <a:rPr lang="de-DE" smtClean="0"/>
-              <a:t>15.02.2023</a:t>
+              <a:t>22.02.2023</a:t>
             </a:fld>
             <a:endParaRPr lang="de-DE"/>
           </a:p>
@@ -1332,7 +1359,7 @@
           <a:p>
             <a:fld id="{CC8D0934-A3EC-4F1A-8301-A7A9761D017D}" type="slidenum">
               <a:rPr lang="de-DE" smtClean="0"/>
-              <a:t>‹Nr.›</a:t>
+              <a:t>‹#›</a:t>
             </a:fld>
             <a:endParaRPr lang="de-DE"/>
           </a:p>
@@ -1476,7 +1503,7 @@
           <a:p>
             <a:fld id="{CD7BBF5C-6DA2-4FDE-AE3D-507ED6B62B72}" type="datetimeFigureOut">
               <a:rPr lang="de-DE" smtClean="0"/>
-              <a:t>15.02.2023</a:t>
+              <a:t>22.02.2023</a:t>
             </a:fld>
             <a:endParaRPr lang="de-DE"/>
           </a:p>
@@ -1530,7 +1557,7 @@
           <a:p>
             <a:fld id="{CC8D0934-A3EC-4F1A-8301-A7A9761D017D}" type="slidenum">
               <a:rPr lang="de-DE" smtClean="0"/>
-              <a:t>‹Nr.›</a:t>
+              <a:t>‹#›</a:t>
             </a:fld>
             <a:endParaRPr lang="de-DE"/>
           </a:p>
@@ -1751,7 +1778,7 @@
           <a:p>
             <a:fld id="{CD7BBF5C-6DA2-4FDE-AE3D-507ED6B62B72}" type="datetimeFigureOut">
               <a:rPr lang="de-DE" smtClean="0"/>
-              <a:t>15.02.2023</a:t>
+              <a:t>22.02.2023</a:t>
             </a:fld>
             <a:endParaRPr lang="de-DE"/>
           </a:p>
@@ -1805,7 +1832,7 @@
           <a:p>
             <a:fld id="{CC8D0934-A3EC-4F1A-8301-A7A9761D017D}" type="slidenum">
               <a:rPr lang="de-DE" smtClean="0"/>
-              <a:t>‹Nr.›</a:t>
+              <a:t>‹#›</a:t>
             </a:fld>
             <a:endParaRPr lang="de-DE"/>
           </a:p>
@@ -2016,7 +2043,7 @@
           <a:p>
             <a:fld id="{CD7BBF5C-6DA2-4FDE-AE3D-507ED6B62B72}" type="datetimeFigureOut">
               <a:rPr lang="de-DE" smtClean="0"/>
-              <a:t>15.02.2023</a:t>
+              <a:t>22.02.2023</a:t>
             </a:fld>
             <a:endParaRPr lang="de-DE"/>
           </a:p>
@@ -2070,7 +2097,7 @@
           <a:p>
             <a:fld id="{CC8D0934-A3EC-4F1A-8301-A7A9761D017D}" type="slidenum">
               <a:rPr lang="de-DE" smtClean="0"/>
-              <a:t>‹Nr.›</a:t>
+              <a:t>‹#›</a:t>
             </a:fld>
             <a:endParaRPr lang="de-DE"/>
           </a:p>
@@ -2428,7 +2455,7 @@
           <a:p>
             <a:fld id="{CD7BBF5C-6DA2-4FDE-AE3D-507ED6B62B72}" type="datetimeFigureOut">
               <a:rPr lang="de-DE" smtClean="0"/>
-              <a:t>15.02.2023</a:t>
+              <a:t>22.02.2023</a:t>
             </a:fld>
             <a:endParaRPr lang="de-DE"/>
           </a:p>
@@ -2482,7 +2509,7 @@
           <a:p>
             <a:fld id="{CC8D0934-A3EC-4F1A-8301-A7A9761D017D}" type="slidenum">
               <a:rPr lang="de-DE" smtClean="0"/>
-              <a:t>‹Nr.›</a:t>
+              <a:t>‹#›</a:t>
             </a:fld>
             <a:endParaRPr lang="de-DE"/>
           </a:p>
@@ -2569,7 +2596,7 @@
           <a:p>
             <a:fld id="{CD7BBF5C-6DA2-4FDE-AE3D-507ED6B62B72}" type="datetimeFigureOut">
               <a:rPr lang="de-DE" smtClean="0"/>
-              <a:t>15.02.2023</a:t>
+              <a:t>22.02.2023</a:t>
             </a:fld>
             <a:endParaRPr lang="de-DE"/>
           </a:p>
@@ -2623,7 +2650,7 @@
           <a:p>
             <a:fld id="{CC8D0934-A3EC-4F1A-8301-A7A9761D017D}" type="slidenum">
               <a:rPr lang="de-DE" smtClean="0"/>
-              <a:t>‹Nr.›</a:t>
+              <a:t>‹#›</a:t>
             </a:fld>
             <a:endParaRPr lang="de-DE"/>
           </a:p>
@@ -2682,7 +2709,7 @@
           <a:p>
             <a:fld id="{CD7BBF5C-6DA2-4FDE-AE3D-507ED6B62B72}" type="datetimeFigureOut">
               <a:rPr lang="de-DE" smtClean="0"/>
-              <a:t>15.02.2023</a:t>
+              <a:t>22.02.2023</a:t>
             </a:fld>
             <a:endParaRPr lang="de-DE"/>
           </a:p>
@@ -2736,7 +2763,7 @@
           <a:p>
             <a:fld id="{CC8D0934-A3EC-4F1A-8301-A7A9761D017D}" type="slidenum">
               <a:rPr lang="de-DE" smtClean="0"/>
-              <a:t>‹Nr.›</a:t>
+              <a:t>‹#›</a:t>
             </a:fld>
             <a:endParaRPr lang="de-DE"/>
           </a:p>
@@ -2993,7 +3020,7 @@
           <a:p>
             <a:fld id="{CD7BBF5C-6DA2-4FDE-AE3D-507ED6B62B72}" type="datetimeFigureOut">
               <a:rPr lang="de-DE" smtClean="0"/>
-              <a:t>15.02.2023</a:t>
+              <a:t>22.02.2023</a:t>
             </a:fld>
             <a:endParaRPr lang="de-DE"/>
           </a:p>
@@ -3047,7 +3074,7 @@
           <a:p>
             <a:fld id="{CC8D0934-A3EC-4F1A-8301-A7A9761D017D}" type="slidenum">
               <a:rPr lang="de-DE" smtClean="0"/>
-              <a:t>‹Nr.›</a:t>
+              <a:t>‹#›</a:t>
             </a:fld>
             <a:endParaRPr lang="de-DE"/>
           </a:p>
@@ -3281,7 +3308,7 @@
           <a:p>
             <a:fld id="{CD7BBF5C-6DA2-4FDE-AE3D-507ED6B62B72}" type="datetimeFigureOut">
               <a:rPr lang="de-DE" smtClean="0"/>
-              <a:t>15.02.2023</a:t>
+              <a:t>22.02.2023</a:t>
             </a:fld>
             <a:endParaRPr lang="de-DE"/>
           </a:p>
@@ -3335,7 +3362,7 @@
           <a:p>
             <a:fld id="{CC8D0934-A3EC-4F1A-8301-A7A9761D017D}" type="slidenum">
               <a:rPr lang="de-DE" smtClean="0"/>
-              <a:t>‹Nr.›</a:t>
+              <a:t>‹#›</a:t>
             </a:fld>
             <a:endParaRPr lang="de-DE"/>
           </a:p>
@@ -3522,7 +3549,7 @@
           <a:p>
             <a:fld id="{CD7BBF5C-6DA2-4FDE-AE3D-507ED6B62B72}" type="datetimeFigureOut">
               <a:rPr lang="de-DE" smtClean="0"/>
-              <a:t>15.02.2023</a:t>
+              <a:t>22.02.2023</a:t>
             </a:fld>
             <a:endParaRPr lang="de-DE"/>
           </a:p>
@@ -3612,7 +3639,7 @@
           <a:p>
             <a:fld id="{CC8D0934-A3EC-4F1A-8301-A7A9761D017D}" type="slidenum">
               <a:rPr lang="de-DE" smtClean="0"/>
-              <a:t>‹Nr.›</a:t>
+              <a:t>‹#›</a:t>
             </a:fld>
             <a:endParaRPr lang="de-DE"/>
           </a:p>
@@ -10260,7 +10287,7 @@
           <p:nvPr/>
         </p:nvPicPr>
         <p:blipFill>
-          <a:blip r:embed="rId2"/>
+          <a:blip r:embed="rId3"/>
           <a:stretch>
             <a:fillRect/>
           </a:stretch>
@@ -10490,6 +10517,11 @@
   <p:clrMapOvr>
     <a:masterClrMapping/>
   </p:clrMapOvr>
+  <p:extLst>
+    <p:ext uri="{6950BFC3-D8DA-4A85-94F7-54DA5524770B}">
+      <p188:commentRel xmlns:p188="http://schemas.microsoft.com/office/powerpoint/2018/8/main" r:id="rId2"/>
+    </p:ext>
+  </p:extLst>
 </p:sld>
 </file>
 

--- a/Data/Milestone_2_1_feedback_230215.pptx
+++ b/Data/Milestone_2_1_feedback_230215.pptx
@@ -731,12 +731,327 @@
 </pc:chgInfo>
 </file>
 
+<file path=ppt/comments/modernComment_106_B7E9CB37.xml><?xml version="1.0" encoding="utf-8"?>
+<p188:cmLst xmlns:a="http://schemas.openxmlformats.org/drawingml/2006/main" xmlns:r="http://schemas.openxmlformats.org/officeDocument/2006/relationships" xmlns:p188="http://schemas.microsoft.com/office/powerpoint/2018/8/main">
+  <p188:cm id="{FAE4FFA3-3B5F-4078-88B0-6547F75D3B06}" authorId="{14ED1F87-0C8A-7B4E-FFAE-A1E0A58776CB}" created="2023-02-22T10:30:17.815">
+    <pc:sldMkLst xmlns:pc="http://schemas.microsoft.com/office/powerpoint/2013/main/command">
+      <pc:docMk/>
+      <pc:sldMk cId="3085552439" sldId="262"/>
+    </pc:sldMkLst>
+    <p188:txBody>
+      <a:bodyPr/>
+      <a:lstStyle/>
+      <a:p>
+        <a:r>
+          <a:rPr lang="en-PK"/>
+          <a:t>Done</a:t>
+        </a:r>
+      </a:p>
+    </p188:txBody>
+  </p188:cm>
+</p188:cmLst>
+</file>
+
+<file path=ppt/comments/modernComment_107_5A0DC7D.xml><?xml version="1.0" encoding="utf-8"?>
+<p188:cmLst xmlns:a="http://schemas.openxmlformats.org/drawingml/2006/main" xmlns:r="http://schemas.openxmlformats.org/officeDocument/2006/relationships" xmlns:p188="http://schemas.microsoft.com/office/powerpoint/2018/8/main">
+  <p188:cm id="{CB3AA63C-EA7B-49F9-A18A-7D220A99B365}" authorId="{14ED1F87-0C8A-7B4E-FFAE-A1E0A58776CB}" created="2023-02-22T10:31:27.704">
+    <pc:sldMkLst xmlns:pc="http://schemas.microsoft.com/office/powerpoint/2013/main/command">
+      <pc:docMk/>
+      <pc:sldMk cId="94428285" sldId="263"/>
+    </pc:sldMkLst>
+    <p188:txBody>
+      <a:bodyPr/>
+      <a:lstStyle/>
+      <a:p>
+        <a:r>
+          <a:rPr lang="en-PK"/>
+          <a:t>Remaning: Angle points</a:t>
+        </a:r>
+      </a:p>
+    </p188:txBody>
+  </p188:cm>
+</p188:cmLst>
+</file>
+
+<file path=ppt/comments/modernComment_108_C067DFAF.xml><?xml version="1.0" encoding="utf-8"?>
+<p188:cmLst xmlns:a="http://schemas.openxmlformats.org/drawingml/2006/main" xmlns:r="http://schemas.openxmlformats.org/officeDocument/2006/relationships" xmlns:p188="http://schemas.microsoft.com/office/powerpoint/2018/8/main">
+  <p188:cm id="{E3BC77DB-9CB8-4DE1-879F-FC8D7BADEDAC}" authorId="{14ED1F87-0C8A-7B4E-FFAE-A1E0A58776CB}" created="2023-02-22T10:27:23.760">
+    <pc:sldMkLst xmlns:pc="http://schemas.microsoft.com/office/powerpoint/2013/main/command">
+      <pc:docMk/>
+      <pc:sldMk cId="3228032943" sldId="264"/>
+    </pc:sldMkLst>
+    <p188:txBody>
+      <a:bodyPr/>
+      <a:lstStyle/>
+      <a:p>
+        <a:r>
+          <a:rPr lang="en-PK"/>
+          <a:t>Remaning Move Function and repeat function</a:t>
+        </a:r>
+      </a:p>
+    </p188:txBody>
+  </p188:cm>
+</p188:cmLst>
+</file>
+
+<file path=ppt/comments/modernComment_109_94EC994E.xml><?xml version="1.0" encoding="utf-8"?>
+<p188:cmLst xmlns:a="http://schemas.openxmlformats.org/drawingml/2006/main" xmlns:r="http://schemas.openxmlformats.org/officeDocument/2006/relationships" xmlns:p188="http://schemas.microsoft.com/office/powerpoint/2018/8/main">
+  <p188:cm id="{392F76EB-EA0D-48A8-99DF-F91A00E5C5A7}" authorId="{14ED1F87-0C8A-7B4E-FFAE-A1E0A58776CB}" created="2023-02-22T10:32:10.785">
+    <pc:sldMkLst xmlns:pc="http://schemas.microsoft.com/office/powerpoint/2013/main/command">
+      <pc:docMk/>
+      <pc:sldMk cId="2498533710" sldId="265"/>
+    </pc:sldMkLst>
+    <p188:txBody>
+      <a:bodyPr/>
+      <a:lstStyle/>
+      <a:p>
+        <a:r>
+          <a:rPr lang="en-PK"/>
+          <a:t>Done</a:t>
+        </a:r>
+      </a:p>
+    </p188:txBody>
+  </p188:cm>
+</p188:cmLst>
+</file>
+
+<file path=ppt/comments/modernComment_10A_B514A244.xml><?xml version="1.0" encoding="utf-8"?>
+<p188:cmLst xmlns:a="http://schemas.openxmlformats.org/drawingml/2006/main" xmlns:r="http://schemas.openxmlformats.org/officeDocument/2006/relationships" xmlns:p188="http://schemas.microsoft.com/office/powerpoint/2018/8/main">
+  <p188:cm id="{867A5EA7-5E36-481D-A8C1-4A287222D48C}" authorId="{14ED1F87-0C8A-7B4E-FFAE-A1E0A58776CB}" created="2023-02-22T10:32:25.789">
+    <pc:sldMkLst xmlns:pc="http://schemas.microsoft.com/office/powerpoint/2013/main/command">
+      <pc:docMk/>
+      <pc:sldMk cId="3038028356" sldId="266"/>
+    </pc:sldMkLst>
+    <p188:txBody>
+      <a:bodyPr/>
+      <a:lstStyle/>
+      <a:p>
+        <a:r>
+          <a:rPr lang="en-PK"/>
+          <a:t>Done</a:t>
+        </a:r>
+      </a:p>
+    </p188:txBody>
+  </p188:cm>
+</p188:cmLst>
+</file>
+
+<file path=ppt/comments/modernComment_10C_DEA653BB.xml><?xml version="1.0" encoding="utf-8"?>
+<p188:cmLst xmlns:a="http://schemas.openxmlformats.org/drawingml/2006/main" xmlns:r="http://schemas.openxmlformats.org/officeDocument/2006/relationships" xmlns:p188="http://schemas.microsoft.com/office/powerpoint/2018/8/main">
+  <p188:cm id="{8984683A-9E76-47B7-9C9A-BFE9ECFCC08E}" authorId="{14ED1F87-0C8A-7B4E-FFAE-A1E0A58776CB}" created="2023-02-22T10:32:40.460">
+    <pc:sldMkLst xmlns:pc="http://schemas.microsoft.com/office/powerpoint/2013/main/command">
+      <pc:docMk/>
+      <pc:sldMk cId="3735442363" sldId="268"/>
+    </pc:sldMkLst>
+    <p188:txBody>
+      <a:bodyPr/>
+      <a:lstStyle/>
+      <a:p>
+        <a:r>
+          <a:rPr lang="en-PK"/>
+          <a:t>Done</a:t>
+        </a:r>
+      </a:p>
+    </p188:txBody>
+  </p188:cm>
+</p188:cmLst>
+</file>
+
+<file path=ppt/comments/modernComment_10D_4E4B9378.xml><?xml version="1.0" encoding="utf-8"?>
+<p188:cmLst xmlns:a="http://schemas.openxmlformats.org/drawingml/2006/main" xmlns:r="http://schemas.openxmlformats.org/officeDocument/2006/relationships" xmlns:p188="http://schemas.microsoft.com/office/powerpoint/2018/8/main">
+  <p188:cm id="{CDC5D5D5-EA86-411C-90E0-3CF6444B27EF}" authorId="{14ED1F87-0C8A-7B4E-FFAE-A1E0A58776CB}" created="2023-02-22T10:33:08.858">
+    <pc:sldMkLst xmlns:pc="http://schemas.microsoft.com/office/powerpoint/2013/main/command">
+      <pc:docMk/>
+      <pc:sldMk cId="1313575800" sldId="269"/>
+    </pc:sldMkLst>
+    <p188:txBody>
+      <a:bodyPr/>
+      <a:lstStyle/>
+      <a:p>
+        <a:r>
+          <a:rPr lang="en-PK"/>
+          <a:t>Done</a:t>
+        </a:r>
+      </a:p>
+    </p188:txBody>
+  </p188:cm>
+</p188:cmLst>
+</file>
+
+<file path=ppt/comments/modernComment_10E_6FF81F57.xml><?xml version="1.0" encoding="utf-8"?>
+<p188:cmLst xmlns:a="http://schemas.openxmlformats.org/drawingml/2006/main" xmlns:r="http://schemas.openxmlformats.org/officeDocument/2006/relationships" xmlns:p188="http://schemas.microsoft.com/office/powerpoint/2018/8/main">
+  <p188:cm id="{10ED7A2C-CCD8-4F2B-96CD-EB80CFEBF332}" authorId="{14ED1F87-0C8A-7B4E-FFAE-A1E0A58776CB}" created="2023-02-22T10:32:56.393">
+    <pc:sldMkLst xmlns:pc="http://schemas.microsoft.com/office/powerpoint/2013/main/command">
+      <pc:docMk/>
+      <pc:sldMk cId="1878531927" sldId="270"/>
+    </pc:sldMkLst>
+    <p188:txBody>
+      <a:bodyPr/>
+      <a:lstStyle/>
+      <a:p>
+        <a:r>
+          <a:rPr lang="en-PK"/>
+          <a:t>Done</a:t>
+        </a:r>
+      </a:p>
+    </p188:txBody>
+  </p188:cm>
+</p188:cmLst>
+</file>
+
+<file path=ppt/comments/modernComment_10F_14A136AC.xml><?xml version="1.0" encoding="utf-8"?>
+<p188:cmLst xmlns:a="http://schemas.openxmlformats.org/drawingml/2006/main" xmlns:r="http://schemas.openxmlformats.org/officeDocument/2006/relationships" xmlns:p188="http://schemas.microsoft.com/office/powerpoint/2018/8/main">
+  <p188:cm id="{3123FD70-1D6A-4196-9F82-3026EB46BF94}" authorId="{14ED1F87-0C8A-7B4E-FFAE-A1E0A58776CB}" created="2023-02-22T10:33:46.523">
+    <pc:sldMkLst xmlns:pc="http://schemas.microsoft.com/office/powerpoint/2013/main/command">
+      <pc:docMk/>
+      <pc:sldMk cId="346109612" sldId="271"/>
+    </pc:sldMkLst>
+    <p188:txBody>
+      <a:bodyPr/>
+      <a:lstStyle/>
+      <a:p>
+        <a:r>
+          <a:rPr lang="en-PK"/>
+          <a:t>Done</a:t>
+        </a:r>
+      </a:p>
+    </p188:txBody>
+  </p188:cm>
+</p188:cmLst>
+</file>
+
+<file path=ppt/comments/modernComment_113_B54609AA.xml><?xml version="1.0" encoding="utf-8"?>
+<p188:cmLst xmlns:a="http://schemas.openxmlformats.org/drawingml/2006/main" xmlns:r="http://schemas.openxmlformats.org/officeDocument/2006/relationships" xmlns:p188="http://schemas.microsoft.com/office/powerpoint/2018/8/main">
+  <p188:cm id="{D990D065-6F57-494C-B67C-71C4FA818DB2}" authorId="{14ED1F87-0C8A-7B4E-FFAE-A1E0A58776CB}" created="2023-02-22T15:01:43.314">
+    <pc:sldMkLst xmlns:pc="http://schemas.microsoft.com/office/powerpoint/2013/main/command">
+      <pc:docMk/>
+      <pc:sldMk cId="3041266090" sldId="275"/>
+    </pc:sldMkLst>
+    <p188:txBody>
+      <a:bodyPr/>
+      <a:lstStyle/>
+      <a:p>
+        <a:r>
+          <a:rPr lang="en-PK"/>
+          <a:t>Done</a:t>
+        </a:r>
+      </a:p>
+    </p188:txBody>
+  </p188:cm>
+</p188:cmLst>
+</file>
+
+<file path=ppt/comments/modernComment_115_2BDE53BF.xml><?xml version="1.0" encoding="utf-8"?>
+<p188:cmLst xmlns:a="http://schemas.openxmlformats.org/drawingml/2006/main" xmlns:r="http://schemas.openxmlformats.org/officeDocument/2006/relationships" xmlns:p188="http://schemas.microsoft.com/office/powerpoint/2018/8/main">
+  <p188:cm id="{521F42DD-B9E2-412D-A40D-CC32D51E8B1C}" authorId="{14ED1F87-0C8A-7B4E-FFAE-A1E0A58776CB}" created="2023-02-22T10:33:18.881">
+    <pc:sldMkLst xmlns:pc="http://schemas.microsoft.com/office/powerpoint/2013/main/command">
+      <pc:docMk/>
+      <pc:sldMk cId="735990719" sldId="277"/>
+    </pc:sldMkLst>
+    <p188:txBody>
+      <a:bodyPr/>
+      <a:lstStyle/>
+      <a:p>
+        <a:r>
+          <a:rPr lang="en-PK"/>
+          <a:t>Done</a:t>
+        </a:r>
+      </a:p>
+    </p188:txBody>
+  </p188:cm>
+</p188:cmLst>
+</file>
+
+<file path=ppt/comments/modernComment_116_3273C6E9.xml><?xml version="1.0" encoding="utf-8"?>
+<p188:cmLst xmlns:a="http://schemas.openxmlformats.org/drawingml/2006/main" xmlns:r="http://schemas.openxmlformats.org/officeDocument/2006/relationships" xmlns:p188="http://schemas.microsoft.com/office/powerpoint/2018/8/main">
+  <p188:cm id="{E659503F-8BB4-48D8-9ABE-28A140F9A63A}" authorId="{14ED1F87-0C8A-7B4E-FFAE-A1E0A58776CB}" created="2023-02-22T10:33:25.867">
+    <pc:sldMkLst xmlns:pc="http://schemas.microsoft.com/office/powerpoint/2013/main/command">
+      <pc:docMk/>
+      <pc:sldMk cId="846448361" sldId="278"/>
+    </pc:sldMkLst>
+    <p188:txBody>
+      <a:bodyPr/>
+      <a:lstStyle/>
+      <a:p>
+        <a:r>
+          <a:rPr lang="en-PK"/>
+          <a:t>Done</a:t>
+        </a:r>
+      </a:p>
+    </p188:txBody>
+  </p188:cm>
+</p188:cmLst>
+</file>
+
+<file path=ppt/comments/modernComment_117_F13C1378.xml><?xml version="1.0" encoding="utf-8"?>
+<p188:cmLst xmlns:a="http://schemas.openxmlformats.org/drawingml/2006/main" xmlns:r="http://schemas.openxmlformats.org/officeDocument/2006/relationships" xmlns:p188="http://schemas.microsoft.com/office/powerpoint/2018/8/main">
+  <p188:cm id="{8A9BB611-1F93-45F3-8F85-0C3B4054D302}" authorId="{14ED1F87-0C8A-7B4E-FFAE-A1E0A58776CB}" created="2023-02-22T10:27:51.870">
+    <pc:sldMkLst xmlns:pc="http://schemas.microsoft.com/office/powerpoint/2013/main/command">
+      <pc:docMk/>
+      <pc:sldMk cId="4047246200" sldId="279"/>
+    </pc:sldMkLst>
+    <p188:txBody>
+      <a:bodyPr/>
+      <a:lstStyle/>
+      <a:p>
+        <a:r>
+          <a:rPr lang="en-PK"/>
+          <a:t>Done</a:t>
+        </a:r>
+      </a:p>
+    </p188:txBody>
+  </p188:cm>
+</p188:cmLst>
+</file>
+
 <file path=ppt/comments/modernComment_119_C53792BB.xml><?xml version="1.0" encoding="utf-8"?>
 <p188:cmLst xmlns:a="http://schemas.openxmlformats.org/drawingml/2006/main" xmlns:r="http://schemas.openxmlformats.org/officeDocument/2006/relationships" xmlns:p188="http://schemas.microsoft.com/office/powerpoint/2018/8/main">
   <p188:cm id="{E69A934A-0ADC-4249-A9AB-B3F1DDD648AF}" authorId="{14ED1F87-0C8A-7B4E-FFAE-A1E0A58776CB}" created="2023-02-22T10:26:28.928">
     <pc:sldMkLst xmlns:pc="http://schemas.microsoft.com/office/powerpoint/2013/main/command">
       <pc:docMk/>
       <pc:sldMk cId="3308753595" sldId="281"/>
+    </pc:sldMkLst>
+    <p188:txBody>
+      <a:bodyPr/>
+      <a:lstStyle/>
+      <a:p>
+        <a:r>
+          <a:rPr lang="en-PK"/>
+          <a:t>Done</a:t>
+        </a:r>
+      </a:p>
+    </p188:txBody>
+  </p188:cm>
+</p188:cmLst>
+</file>
+
+<file path=ppt/comments/modernComment_11A_6DD28B6A.xml><?xml version="1.0" encoding="utf-8"?>
+<p188:cmLst xmlns:a="http://schemas.openxmlformats.org/drawingml/2006/main" xmlns:r="http://schemas.openxmlformats.org/officeDocument/2006/relationships" xmlns:p188="http://schemas.microsoft.com/office/powerpoint/2018/8/main">
+  <p188:cm id="{1E476692-D43A-4297-97E6-1E28A2A792D8}" authorId="{14ED1F87-0C8A-7B4E-FFAE-A1E0A58776CB}" created="2023-02-22T10:33:52.489">
+    <pc:sldMkLst xmlns:pc="http://schemas.microsoft.com/office/powerpoint/2013/main/command">
+      <pc:docMk/>
+      <pc:sldMk cId="1842514794" sldId="282"/>
+    </pc:sldMkLst>
+    <p188:txBody>
+      <a:bodyPr/>
+      <a:lstStyle/>
+      <a:p>
+        <a:r>
+          <a:rPr lang="en-PK"/>
+          <a:t>Done</a:t>
+        </a:r>
+      </a:p>
+    </p188:txBody>
+  </p188:cm>
+</p188:cmLst>
+</file>
+
+<file path=ppt/comments/modernComment_11B_A2B11A67.xml><?xml version="1.0" encoding="utf-8"?>
+<p188:cmLst xmlns:a="http://schemas.openxmlformats.org/drawingml/2006/main" xmlns:r="http://schemas.openxmlformats.org/officeDocument/2006/relationships" xmlns:p188="http://schemas.microsoft.com/office/powerpoint/2018/8/main">
+  <p188:cm id="{DEB44B8F-07DA-4EBB-A5E5-AF05D3874129}" authorId="{14ED1F87-0C8A-7B4E-FFAE-A1E0A58776CB}" created="2023-02-22T10:34:02.160">
+    <pc:sldMkLst xmlns:pc="http://schemas.microsoft.com/office/powerpoint/2013/main/command">
+      <pc:docMk/>
+      <pc:sldMk cId="2729515623" sldId="283"/>
     </pc:sldMkLst>
     <p188:txBody>
       <a:bodyPr/>
@@ -3981,7 +4296,7 @@
           <p:nvPr/>
         </p:nvPicPr>
         <p:blipFill>
-          <a:blip r:embed="rId2"/>
+          <a:blip r:embed="rId3"/>
           <a:stretch>
             <a:fillRect/>
           </a:stretch>
@@ -5046,6 +5361,11 @@
   <p:clrMapOvr>
     <a:masterClrMapping/>
   </p:clrMapOvr>
+  <p:extLst>
+    <p:ext uri="{6950BFC3-D8DA-4A85-94F7-54DA5524770B}">
+      <p188:commentRel xmlns:p188="http://schemas.microsoft.com/office/powerpoint/2018/8/main" r:id="rId2"/>
+    </p:ext>
+  </p:extLst>
 </p:sld>
 </file>
 
@@ -5081,7 +5401,7 @@
           <p:nvPr/>
         </p:nvPicPr>
         <p:blipFill>
-          <a:blip r:embed="rId2"/>
+          <a:blip r:embed="rId3"/>
           <a:stretch>
             <a:fillRect/>
           </a:stretch>
@@ -6375,6 +6695,11 @@
   <p:clrMapOvr>
     <a:masterClrMapping/>
   </p:clrMapOvr>
+  <p:extLst>
+    <p:ext uri="{6950BFC3-D8DA-4A85-94F7-54DA5524770B}">
+      <p188:commentRel xmlns:p188="http://schemas.microsoft.com/office/powerpoint/2018/8/main" r:id="rId2"/>
+    </p:ext>
+  </p:extLst>
 </p:sld>
 </file>
 
@@ -6410,7 +6735,7 @@
           <p:nvPr/>
         </p:nvPicPr>
         <p:blipFill>
-          <a:blip r:embed="rId2"/>
+          <a:blip r:embed="rId3"/>
           <a:stretch>
             <a:fillRect/>
           </a:stretch>
@@ -7544,6 +7869,11 @@
   <p:clrMapOvr>
     <a:masterClrMapping/>
   </p:clrMapOvr>
+  <p:extLst>
+    <p:ext uri="{6950BFC3-D8DA-4A85-94F7-54DA5524770B}">
+      <p188:commentRel xmlns:p188="http://schemas.microsoft.com/office/powerpoint/2018/8/main" r:id="rId2"/>
+    </p:ext>
+  </p:extLst>
 </p:sld>
 </file>
 
@@ -7579,7 +7909,7 @@
           <p:nvPr/>
         </p:nvPicPr>
         <p:blipFill>
-          <a:blip r:embed="rId2"/>
+          <a:blip r:embed="rId3"/>
           <a:stretch>
             <a:fillRect/>
           </a:stretch>
@@ -8244,6 +8574,11 @@
   <p:clrMapOvr>
     <a:masterClrMapping/>
   </p:clrMapOvr>
+  <p:extLst>
+    <p:ext uri="{6950BFC3-D8DA-4A85-94F7-54DA5524770B}">
+      <p188:commentRel xmlns:p188="http://schemas.microsoft.com/office/powerpoint/2018/8/main" r:id="rId2"/>
+    </p:ext>
+  </p:extLst>
 </p:sld>
 </file>
 
@@ -8279,7 +8614,7 @@
           <p:nvPr/>
         </p:nvPicPr>
         <p:blipFill>
-          <a:blip r:embed="rId2"/>
+          <a:blip r:embed="rId3"/>
           <a:stretch>
             <a:fillRect/>
           </a:stretch>
@@ -8861,6 +9196,11 @@
   <p:clrMapOvr>
     <a:masterClrMapping/>
   </p:clrMapOvr>
+  <p:extLst>
+    <p:ext uri="{6950BFC3-D8DA-4A85-94F7-54DA5524770B}">
+      <p188:commentRel xmlns:p188="http://schemas.microsoft.com/office/powerpoint/2018/8/main" r:id="rId2"/>
+    </p:ext>
+  </p:extLst>
 </p:sld>
 </file>
 
@@ -8896,7 +9236,7 @@
           <p:nvPr/>
         </p:nvPicPr>
         <p:blipFill>
-          <a:blip r:embed="rId2"/>
+          <a:blip r:embed="rId3"/>
           <a:stretch>
             <a:fillRect/>
           </a:stretch>
@@ -9267,6 +9607,11 @@
   <p:clrMapOvr>
     <a:masterClrMapping/>
   </p:clrMapOvr>
+  <p:extLst>
+    <p:ext uri="{6950BFC3-D8DA-4A85-94F7-54DA5524770B}">
+      <p188:commentRel xmlns:p188="http://schemas.microsoft.com/office/powerpoint/2018/8/main" r:id="rId2"/>
+    </p:ext>
+  </p:extLst>
 </p:sld>
 </file>
 
@@ -9302,7 +9647,7 @@
           <p:nvPr/>
         </p:nvPicPr>
         <p:blipFill>
-          <a:blip r:embed="rId2"/>
+          <a:blip r:embed="rId3"/>
           <a:stretch>
             <a:fillRect/>
           </a:stretch>
@@ -9597,6 +9942,11 @@
   <p:clrMapOvr>
     <a:masterClrMapping/>
   </p:clrMapOvr>
+  <p:extLst>
+    <p:ext uri="{6950BFC3-D8DA-4A85-94F7-54DA5524770B}">
+      <p188:commentRel xmlns:p188="http://schemas.microsoft.com/office/powerpoint/2018/8/main" r:id="rId2"/>
+    </p:ext>
+  </p:extLst>
 </p:sld>
 </file>
 
@@ -9632,7 +9982,7 @@
           <p:nvPr/>
         </p:nvPicPr>
         <p:blipFill>
-          <a:blip r:embed="rId2"/>
+          <a:blip r:embed="rId3"/>
           <a:stretch>
             <a:fillRect/>
           </a:stretch>
@@ -9801,7 +10151,7 @@
           <p:nvPr/>
         </p:nvPicPr>
         <p:blipFill>
-          <a:blip r:embed="rId3"/>
+          <a:blip r:embed="rId4"/>
           <a:stretch>
             <a:fillRect/>
           </a:stretch>
@@ -9872,6 +10222,11 @@
   <p:clrMapOvr>
     <a:masterClrMapping/>
   </p:clrMapOvr>
+  <p:extLst>
+    <p:ext uri="{6950BFC3-D8DA-4A85-94F7-54DA5524770B}">
+      <p188:commentRel xmlns:p188="http://schemas.microsoft.com/office/powerpoint/2018/8/main" r:id="rId2"/>
+    </p:ext>
+  </p:extLst>
 </p:sld>
 </file>
 
@@ -9907,7 +10262,7 @@
           <p:nvPr/>
         </p:nvPicPr>
         <p:blipFill>
-          <a:blip r:embed="rId2"/>
+          <a:blip r:embed="rId3"/>
           <a:stretch>
             <a:fillRect/>
           </a:stretch>
@@ -10064,6 +10419,11 @@
   <p:clrMapOvr>
     <a:masterClrMapping/>
   </p:clrMapOvr>
+  <p:extLst>
+    <p:ext uri="{6950BFC3-D8DA-4A85-94F7-54DA5524770B}">
+      <p188:commentRel xmlns:p188="http://schemas.microsoft.com/office/powerpoint/2018/8/main" r:id="rId2"/>
+    </p:ext>
+  </p:extLst>
 </p:sld>
 </file>
 
@@ -10557,7 +10917,7 @@
           <p:nvPr/>
         </p:nvPicPr>
         <p:blipFill>
-          <a:blip r:embed="rId2"/>
+          <a:blip r:embed="rId3"/>
           <a:stretch>
             <a:fillRect/>
           </a:stretch>
@@ -11177,6 +11537,11 @@
   <p:clrMapOvr>
     <a:masterClrMapping/>
   </p:clrMapOvr>
+  <p:extLst>
+    <p:ext uri="{6950BFC3-D8DA-4A85-94F7-54DA5524770B}">
+      <p188:commentRel xmlns:p188="http://schemas.microsoft.com/office/powerpoint/2018/8/main" r:id="rId2"/>
+    </p:ext>
+  </p:extLst>
 </p:sld>
 </file>
 
@@ -11792,7 +12157,7 @@
           <p:nvPr/>
         </p:nvPicPr>
         <p:blipFill>
-          <a:blip r:embed="rId2"/>
+          <a:blip r:embed="rId3"/>
           <a:stretch>
             <a:fillRect/>
           </a:stretch>
@@ -12918,6 +13283,11 @@
   <p:clrMapOvr>
     <a:masterClrMapping/>
   </p:clrMapOvr>
+  <p:extLst>
+    <p:ext uri="{6950BFC3-D8DA-4A85-94F7-54DA5524770B}">
+      <p188:commentRel xmlns:p188="http://schemas.microsoft.com/office/powerpoint/2018/8/main" r:id="rId2"/>
+    </p:ext>
+  </p:extLst>
 </p:sld>
 </file>
 
@@ -12953,7 +13323,7 @@
           <p:nvPr/>
         </p:nvPicPr>
         <p:blipFill>
-          <a:blip r:embed="rId2"/>
+          <a:blip r:embed="rId3"/>
           <a:stretch>
             <a:fillRect/>
           </a:stretch>
@@ -13816,6 +14186,11 @@
   <p:clrMapOvr>
     <a:masterClrMapping/>
   </p:clrMapOvr>
+  <p:extLst>
+    <p:ext uri="{6950BFC3-D8DA-4A85-94F7-54DA5524770B}">
+      <p188:commentRel xmlns:p188="http://schemas.microsoft.com/office/powerpoint/2018/8/main" r:id="rId2"/>
+    </p:ext>
+  </p:extLst>
 </p:sld>
 </file>
 
@@ -13851,7 +14226,7 @@
           <p:nvPr/>
         </p:nvPicPr>
         <p:blipFill>
-          <a:blip r:embed="rId2"/>
+          <a:blip r:embed="rId3"/>
           <a:stretch>
             <a:fillRect/>
           </a:stretch>
@@ -14515,6 +14890,11 @@
   <p:clrMapOvr>
     <a:masterClrMapping/>
   </p:clrMapOvr>
+  <p:extLst>
+    <p:ext uri="{6950BFC3-D8DA-4A85-94F7-54DA5524770B}">
+      <p188:commentRel xmlns:p188="http://schemas.microsoft.com/office/powerpoint/2018/8/main" r:id="rId2"/>
+    </p:ext>
+  </p:extLst>
 </p:sld>
 </file>
 
@@ -14550,7 +14930,7 @@
           <p:nvPr/>
         </p:nvPicPr>
         <p:blipFill>
-          <a:blip r:embed="rId2"/>
+          <a:blip r:embed="rId3"/>
           <a:stretch>
             <a:fillRect/>
           </a:stretch>
@@ -15353,6 +15733,11 @@
   <p:clrMapOvr>
     <a:masterClrMapping/>
   </p:clrMapOvr>
+  <p:extLst>
+    <p:ext uri="{6950BFC3-D8DA-4A85-94F7-54DA5524770B}">
+      <p188:commentRel xmlns:p188="http://schemas.microsoft.com/office/powerpoint/2018/8/main" r:id="rId2"/>
+    </p:ext>
+  </p:extLst>
 </p:sld>
 </file>
 
@@ -15388,7 +15773,7 @@
           <p:nvPr/>
         </p:nvPicPr>
         <p:blipFill>
-          <a:blip r:embed="rId2"/>
+          <a:blip r:embed="rId3"/>
           <a:stretch>
             <a:fillRect/>
           </a:stretch>
@@ -15887,6 +16272,11 @@
   <p:clrMapOvr>
     <a:masterClrMapping/>
   </p:clrMapOvr>
+  <p:extLst>
+    <p:ext uri="{6950BFC3-D8DA-4A85-94F7-54DA5524770B}">
+      <p188:commentRel xmlns:p188="http://schemas.microsoft.com/office/powerpoint/2018/8/main" r:id="rId2"/>
+    </p:ext>
+  </p:extLst>
 </p:sld>
 </file>
 

--- a/Data/Milestone_2_1_feedback_230215.pptx
+++ b/Data/Milestone_2_1_feedback_230215.pptx
@@ -1067,6 +1067,27 @@
 </p188:cmLst>
 </file>
 
+<file path=ppt/comments/modernComment_11C_83D86423.xml><?xml version="1.0" encoding="utf-8"?>
+<p188:cmLst xmlns:a="http://schemas.openxmlformats.org/drawingml/2006/main" xmlns:r="http://schemas.openxmlformats.org/officeDocument/2006/relationships" xmlns:p188="http://schemas.microsoft.com/office/powerpoint/2018/8/main">
+  <p188:cm id="{44747C3E-41B4-4D72-84D2-1DFE401D9F49}" authorId="{14ED1F87-0C8A-7B4E-FFAE-A1E0A58776CB}" created="2023-02-22T15:40:18.078">
+    <pc:sldMkLst xmlns:pc="http://schemas.microsoft.com/office/powerpoint/2013/main/command">
+      <pc:docMk/>
+      <pc:sldMk cId="2211996707" sldId="284"/>
+    </pc:sldMkLst>
+    <p188:txBody>
+      <a:bodyPr/>
+      <a:lstStyle/>
+      <a:p>
+        <a:r>
+          <a:rPr lang="en-PK"/>
+          <a:t>done</a:t>
+        </a:r>
+      </a:p>
+    </p188:txBody>
+  </p188:cm>
+</p188:cmLst>
+</file>
+
 <file path=ppt/slideLayouts/slideLayout1.xml><?xml version="1.0" encoding="utf-8"?>
 <p:sldLayout xmlns:a="http://schemas.openxmlformats.org/drawingml/2006/main" xmlns:r="http://schemas.openxmlformats.org/officeDocument/2006/relationships" xmlns:p="http://schemas.openxmlformats.org/presentationml/2006/main" type="title" preserve="1">
   <p:cSld name="Titelfolie">
@@ -10458,7 +10479,7 @@
         </p:nvSpPr>
         <p:spPr>
           <a:xfrm>
-            <a:off x="3930456" y="2662099"/>
+            <a:off x="3749481" y="2709724"/>
             <a:ext cx="4145366" cy="1754326"/>
           </a:xfrm>
           <a:prstGeom prst="rect">
@@ -10553,7 +10574,7 @@
               <a:t>the</a:t>
             </a:r>
             <a:r>
-              <a:rPr lang="de-DE">
+              <a:rPr lang="de-DE" dirty="0">
                 <a:sym typeface="Wingdings" panose="05000000000000000000" pitchFamily="2" charset="2"/>
               </a:rPr>
               <a:t> User and PW</a:t>
@@ -10581,7 +10602,7 @@
               <a:rPr lang="de-DE" b="0" i="0" dirty="0">
                 <a:effectLst/>
                 <a:latin typeface="helvetica" panose="020B0604020202020204" pitchFamily="34" charset="0"/>
-                <a:hlinkClick r:id="rId2"/>
+                <a:hlinkClick r:id="rId3"/>
               </a:rPr>
               <a:t>eazisol@gmail.com</a:t>
             </a:r>
@@ -10612,6 +10633,11 @@
   <p:clrMapOvr>
     <a:masterClrMapping/>
   </p:clrMapOvr>
+  <p:extLst>
+    <p:ext uri="{6950BFC3-D8DA-4A85-94F7-54DA5524770B}">
+      <p188:commentRel xmlns:p188="http://schemas.microsoft.com/office/powerpoint/2018/8/main" r:id="rId2"/>
+    </p:ext>
+  </p:extLst>
 </p:sld>
 </file>
 
